--- a/automatski-microsoft-sustainability-challenge.pptx
+++ b/automatski-microsoft-sustainability-challenge.pptx
@@ -8907,7 +8907,7 @@
           <a:p>
             <a:fld id="{5C3A971C-4A23-463A-AA5E-E65EB559D464}" type="datetimeFigureOut">
               <a:rPr lang="en-IN" smtClean="0"/>
-              <a:t>02-04-2023</a:t>
+              <a:t>12-04-2023</a:t>
             </a:fld>
             <a:endParaRPr lang="en-IN"/>
           </a:p>
@@ -9114,7 +9114,7 @@
           <a:p>
             <a:fld id="{5C3A971C-4A23-463A-AA5E-E65EB559D464}" type="datetimeFigureOut">
               <a:rPr lang="en-IN" smtClean="0"/>
-              <a:t>02-04-2023</a:t>
+              <a:t>12-04-2023</a:t>
             </a:fld>
             <a:endParaRPr lang="en-IN"/>
           </a:p>
@@ -9294,7 +9294,7 @@
           <a:p>
             <a:fld id="{5C3A971C-4A23-463A-AA5E-E65EB559D464}" type="datetimeFigureOut">
               <a:rPr lang="en-IN" smtClean="0"/>
-              <a:t>02-04-2023</a:t>
+              <a:t>12-04-2023</a:t>
             </a:fld>
             <a:endParaRPr lang="en-IN"/>
           </a:p>
@@ -9499,7 +9499,7 @@
           <a:p>
             <a:fld id="{5C3A971C-4A23-463A-AA5E-E65EB559D464}" type="datetimeFigureOut">
               <a:rPr lang="en-IN" smtClean="0"/>
-              <a:t>02-04-2023</a:t>
+              <a:t>12-04-2023</a:t>
             </a:fld>
             <a:endParaRPr lang="en-IN"/>
           </a:p>
@@ -18397,7 +18397,7 @@
           <a:p>
             <a:fld id="{5C3A971C-4A23-463A-AA5E-E65EB559D464}" type="datetimeFigureOut">
               <a:rPr lang="en-IN" smtClean="0"/>
-              <a:t>02-04-2023</a:t>
+              <a:t>12-04-2023</a:t>
             </a:fld>
             <a:endParaRPr lang="en-IN"/>
           </a:p>
@@ -18671,7 +18671,7 @@
           <a:p>
             <a:fld id="{5C3A971C-4A23-463A-AA5E-E65EB559D464}" type="datetimeFigureOut">
               <a:rPr lang="en-IN" smtClean="0"/>
-              <a:t>02-04-2023</a:t>
+              <a:t>12-04-2023</a:t>
             </a:fld>
             <a:endParaRPr lang="en-IN"/>
           </a:p>
@@ -19069,7 +19069,7 @@
           <a:p>
             <a:fld id="{5C3A971C-4A23-463A-AA5E-E65EB559D464}" type="datetimeFigureOut">
               <a:rPr lang="en-IN" smtClean="0"/>
-              <a:t>02-04-2023</a:t>
+              <a:t>12-04-2023</a:t>
             </a:fld>
             <a:endParaRPr lang="en-IN"/>
           </a:p>
@@ -19187,7 +19187,7 @@
           <a:p>
             <a:fld id="{5C3A971C-4A23-463A-AA5E-E65EB559D464}" type="datetimeFigureOut">
               <a:rPr lang="en-IN" smtClean="0"/>
-              <a:t>02-04-2023</a:t>
+              <a:t>12-04-2023</a:t>
             </a:fld>
             <a:endParaRPr lang="en-IN"/>
           </a:p>
@@ -19282,7 +19282,7 @@
           <a:p>
             <a:fld id="{5C3A971C-4A23-463A-AA5E-E65EB559D464}" type="datetimeFigureOut">
               <a:rPr lang="en-IN" smtClean="0"/>
-              <a:t>02-04-2023</a:t>
+              <a:t>12-04-2023</a:t>
             </a:fld>
             <a:endParaRPr lang="en-IN"/>
           </a:p>
@@ -19572,7 +19572,7 @@
           <a:p>
             <a:fld id="{5C3A971C-4A23-463A-AA5E-E65EB559D464}" type="datetimeFigureOut">
               <a:rPr lang="en-IN" smtClean="0"/>
-              <a:t>02-04-2023</a:t>
+              <a:t>12-04-2023</a:t>
             </a:fld>
             <a:endParaRPr lang="en-IN"/>
           </a:p>
@@ -19852,7 +19852,7 @@
           <a:p>
             <a:fld id="{5C3A971C-4A23-463A-AA5E-E65EB559D464}" type="datetimeFigureOut">
               <a:rPr lang="en-IN" smtClean="0"/>
-              <a:t>02-04-2023</a:t>
+              <a:t>12-04-2023</a:t>
             </a:fld>
             <a:endParaRPr lang="en-IN"/>
           </a:p>
@@ -20102,7 +20102,7 @@
           <a:p>
             <a:fld id="{5C3A971C-4A23-463A-AA5E-E65EB559D464}" type="datetimeFigureOut">
               <a:rPr lang="en-IN" smtClean="0"/>
-              <a:t>02-04-2023</a:t>
+              <a:t>12-04-2023</a:t>
             </a:fld>
             <a:endParaRPr lang="en-IN"/>
           </a:p>
@@ -20753,18 +20753,118 @@
               <a:buAutoNum type="arabicPeriod"/>
             </a:pPr>
             <a:r>
+              <a:rPr lang="en-US" dirty="0" smtClean="0"/>
+              <a:t>This </a:t>
+            </a:r>
+            <a:r>
               <a:rPr lang="en-US" dirty="0"/>
-              <a:t>Nuclear Fusion </a:t>
+              <a:t>is the only way to create Nuclear Fusion </a:t>
             </a:r>
             <a:r>
               <a:rPr lang="en-US" dirty="0">
                 <a:hlinkClick r:id="rId2"/>
               </a:rPr>
-              <a:t>https://www.youtube.com/watch?v=j81Q5R29RO4</a:t>
+              <a:t>https://</a:t>
+            </a:r>
+            <a:r>
+              <a:rPr lang="en-US" dirty="0" smtClean="0">
+                <a:hlinkClick r:id="rId2"/>
+              </a:rPr>
+              <a:t>www.youtube.com/watch?v=j81Q5R29RO4</a:t>
+            </a:r>
+            <a:r>
+              <a:rPr lang="en-US" dirty="0" smtClean="0"/>
+              <a:t> </a:t>
+            </a:r>
+            <a:endParaRPr lang="en-US" dirty="0"/>
+          </a:p>
+          <a:p>
+            <a:pPr marL="514350" indent="-514350">
+              <a:buFont typeface="+mj-lt"/>
+              <a:buAutoNum type="arabicPeriod"/>
+            </a:pPr>
+            <a:r>
+              <a:rPr lang="en-US" dirty="0"/>
+              <a:t>In one of </a:t>
+            </a:r>
+            <a:r>
+              <a:rPr lang="en-US" dirty="0" smtClean="0"/>
+              <a:t>Musk’s </a:t>
             </a:r>
             <a:r>
               <a:rPr lang="en-US" dirty="0"/>
+              <a:t>videos </a:t>
+            </a:r>
+            <a:r>
+              <a:rPr lang="en-US" dirty="0" smtClean="0"/>
+              <a:t>he </a:t>
+            </a:r>
+            <a:r>
+              <a:rPr lang="en-US" dirty="0"/>
+              <a:t>said we cannot travel in deep space because it’s a </a:t>
+            </a:r>
+            <a:r>
+              <a:rPr lang="en-US" dirty="0" err="1"/>
+              <a:t>vaccum</a:t>
+            </a:r>
+            <a:r>
+              <a:rPr lang="en-US" dirty="0"/>
+              <a:t> and we need fuel to push against ourselves. That’s not entirely </a:t>
+            </a:r>
+            <a:r>
+              <a:rPr lang="en-US" dirty="0" smtClean="0"/>
+              <a:t>true. </a:t>
+            </a:r>
+            <a:r>
+              <a:rPr lang="en-US" dirty="0"/>
+              <a:t>This is the solution to Deep Space Travel and  Infinite Free Clean Energy </a:t>
+            </a:r>
+            <a:r>
+              <a:rPr lang="en-US" dirty="0">
+                <a:hlinkClick r:id="rId3"/>
+              </a:rPr>
+              <a:t>https://</a:t>
+            </a:r>
+            <a:r>
+              <a:rPr lang="en-US" dirty="0" smtClean="0">
+                <a:hlinkClick r:id="rId3"/>
+              </a:rPr>
+              <a:t>www.youtube.com/watch?v=Mvik_tZzfhg</a:t>
+            </a:r>
+            <a:r>
+              <a:rPr lang="en-US" dirty="0" smtClean="0"/>
               <a:t> </a:t>
+            </a:r>
+            <a:endParaRPr lang="en-US" dirty="0"/>
+          </a:p>
+          <a:p>
+            <a:pPr marL="514350" indent="-514350">
+              <a:buFont typeface="+mj-lt"/>
+              <a:buAutoNum type="arabicPeriod"/>
+            </a:pPr>
+            <a:r>
+              <a:rPr lang="en-US" dirty="0"/>
+              <a:t>We can do 200+ Perfect Qubits so we can solve this “today” Nitrogen Fixation Catalysts </a:t>
+            </a:r>
+            <a:r>
+              <a:rPr lang="en-US" dirty="0">
+                <a:hlinkClick r:id="rId4"/>
+              </a:rPr>
+              <a:t>https://</a:t>
+            </a:r>
+            <a:r>
+              <a:rPr lang="en-US" dirty="0" smtClean="0">
+                <a:hlinkClick r:id="rId4"/>
+              </a:rPr>
+              <a:t>www.youtube.com/watch?v=kD370qyxTyw</a:t>
+            </a:r>
+            <a:r>
+              <a:rPr lang="en-US" dirty="0" smtClean="0"/>
+              <a:t>   </a:t>
+            </a:r>
+            <a:r>
+              <a:rPr lang="en-US" dirty="0"/>
+              <a:t>(4:56 seconds)</a:t>
             </a:r>
           </a:p>
           <a:p>
@@ -20774,65 +20874,29 @@
             </a:pPr>
             <a:r>
               <a:rPr lang="en-US" dirty="0"/>
-              <a:t>Infinite Free Clean Energy </a:t>
-            </a:r>
-            <a:r>
-              <a:rPr lang="en-US" dirty="0">
-                <a:hlinkClick r:id="rId3"/>
-              </a:rPr>
-              <a:t>https://www.youtube.com/watch?v=Mvik_tZzfhg</a:t>
-            </a:r>
-            <a:r>
-              <a:rPr lang="en-US" dirty="0"/>
-              <a:t> </a:t>
-            </a:r>
-          </a:p>
-          <a:p>
-            <a:pPr marL="514350" indent="-514350">
-              <a:buFont typeface="+mj-lt"/>
-              <a:buAutoNum type="arabicPeriod"/>
-            </a:pPr>
-            <a:r>
-              <a:rPr lang="en-US" dirty="0"/>
-              <a:t>Carbon Capture </a:t>
-            </a:r>
-            <a:r>
-              <a:rPr lang="en-US" err="1"/>
-              <a:t>Ref</a:t>
-            </a:r>
-            <a:r>
-              <a:rPr lang="en-US"/>
-              <a:t>: </a:t>
-            </a:r>
-            <a:r>
-              <a:rPr lang="en-US" dirty="0">
-                <a:hlinkClick r:id="rId4"/>
-              </a:rPr>
-              <a:t>https://www2.deloitte.com/us/en/pages/consulting/solutions/quantum-computing-services.html</a:t>
-            </a:r>
-            <a:r>
-              <a:rPr lang="en-US" dirty="0"/>
-              <a:t> </a:t>
-            </a:r>
-          </a:p>
-          <a:p>
-            <a:pPr marL="514350" indent="-514350">
-              <a:buFont typeface="+mj-lt"/>
-              <a:buAutoNum type="arabicPeriod"/>
-            </a:pPr>
-            <a:r>
-              <a:rPr lang="en-US" dirty="0"/>
-              <a:t>Nitrogen Fixation Catalysts </a:t>
+              <a:t>And similarly the next thing we can solve is this - Carbon Capture Ref: </a:t>
             </a:r>
             <a:r>
               <a:rPr lang="en-US" dirty="0">
                 <a:hlinkClick r:id="rId5"/>
               </a:rPr>
-              <a:t>https://www.youtube.com/watch?v=kD370qyxTyw</a:t>
+              <a:t>https</a:t>
             </a:r>
             <a:r>
-              <a:rPr lang="en-US" dirty="0"/>
-              <a:t>  (4:56 seconds) </a:t>
+              <a:rPr lang="en-US">
+                <a:hlinkClick r:id="rId5"/>
+              </a:rPr>
+              <a:t>://</a:t>
+            </a:r>
+            <a:r>
+              <a:rPr lang="en-US" smtClean="0">
+                <a:hlinkClick r:id="rId5"/>
+              </a:rPr>
+              <a:t>www2.deloitte.com/us/en/pages/consulting/solutions/quantum-computing-services.html</a:t>
+            </a:r>
+            <a:r>
+              <a:rPr lang="en-US" smtClean="0"/>
+              <a:t> </a:t>
             </a:r>
             <a:endParaRPr lang="en-IN" dirty="0"/>
           </a:p>
